--- a/Offline/BusinessManagement/Marketing/MarketingArtworks/Images&Resources/Logos.pptx
+++ b/Offline/BusinessManagement/Marketing/MarketingArtworks/Images&Resources/Logos.pptx
@@ -6,6 +6,7 @@
   </p:sldMasterIdLst>
   <p:sldIdLst>
     <p:sldId id="256" r:id="rId2"/>
+    <p:sldId id="257" r:id="rId3"/>
   </p:sldIdLst>
   <p:sldSz cx="12192000" cy="6858000"/>
   <p:notesSz cx="6858000" cy="9144000"/>
@@ -243,7 +244,7 @@
           <a:p>
             <a:fld id="{17627208-582F-4918-B86F-64AC116E7DCD}" type="datetimeFigureOut">
               <a:rPr lang="en-AU" smtClean="0"/>
-              <a:t>8/08/2023</a:t>
+              <a:t>13/10/2023</a:t>
             </a:fld>
             <a:endParaRPr lang="en-AU"/>
           </a:p>
@@ -413,7 +414,7 @@
           <a:p>
             <a:fld id="{17627208-582F-4918-B86F-64AC116E7DCD}" type="datetimeFigureOut">
               <a:rPr lang="en-AU" smtClean="0"/>
-              <a:t>8/08/2023</a:t>
+              <a:t>13/10/2023</a:t>
             </a:fld>
             <a:endParaRPr lang="en-AU"/>
           </a:p>
@@ -593,7 +594,7 @@
           <a:p>
             <a:fld id="{17627208-582F-4918-B86F-64AC116E7DCD}" type="datetimeFigureOut">
               <a:rPr lang="en-AU" smtClean="0"/>
-              <a:t>8/08/2023</a:t>
+              <a:t>13/10/2023</a:t>
             </a:fld>
             <a:endParaRPr lang="en-AU"/>
           </a:p>
@@ -763,7 +764,7 @@
           <a:p>
             <a:fld id="{17627208-582F-4918-B86F-64AC116E7DCD}" type="datetimeFigureOut">
               <a:rPr lang="en-AU" smtClean="0"/>
-              <a:t>8/08/2023</a:t>
+              <a:t>13/10/2023</a:t>
             </a:fld>
             <a:endParaRPr lang="en-AU"/>
           </a:p>
@@ -1009,7 +1010,7 @@
           <a:p>
             <a:fld id="{17627208-582F-4918-B86F-64AC116E7DCD}" type="datetimeFigureOut">
               <a:rPr lang="en-AU" smtClean="0"/>
-              <a:t>8/08/2023</a:t>
+              <a:t>13/10/2023</a:t>
             </a:fld>
             <a:endParaRPr lang="en-AU"/>
           </a:p>
@@ -1241,7 +1242,7 @@
           <a:p>
             <a:fld id="{17627208-582F-4918-B86F-64AC116E7DCD}" type="datetimeFigureOut">
               <a:rPr lang="en-AU" smtClean="0"/>
-              <a:t>8/08/2023</a:t>
+              <a:t>13/10/2023</a:t>
             </a:fld>
             <a:endParaRPr lang="en-AU"/>
           </a:p>
@@ -1608,7 +1609,7 @@
           <a:p>
             <a:fld id="{17627208-582F-4918-B86F-64AC116E7DCD}" type="datetimeFigureOut">
               <a:rPr lang="en-AU" smtClean="0"/>
-              <a:t>8/08/2023</a:t>
+              <a:t>13/10/2023</a:t>
             </a:fld>
             <a:endParaRPr lang="en-AU"/>
           </a:p>
@@ -1726,7 +1727,7 @@
           <a:p>
             <a:fld id="{17627208-582F-4918-B86F-64AC116E7DCD}" type="datetimeFigureOut">
               <a:rPr lang="en-AU" smtClean="0"/>
-              <a:t>8/08/2023</a:t>
+              <a:t>13/10/2023</a:t>
             </a:fld>
             <a:endParaRPr lang="en-AU"/>
           </a:p>
@@ -1821,7 +1822,7 @@
           <a:p>
             <a:fld id="{17627208-582F-4918-B86F-64AC116E7DCD}" type="datetimeFigureOut">
               <a:rPr lang="en-AU" smtClean="0"/>
-              <a:t>8/08/2023</a:t>
+              <a:t>13/10/2023</a:t>
             </a:fld>
             <a:endParaRPr lang="en-AU"/>
           </a:p>
@@ -2098,7 +2099,7 @@
           <a:p>
             <a:fld id="{17627208-582F-4918-B86F-64AC116E7DCD}" type="datetimeFigureOut">
               <a:rPr lang="en-AU" smtClean="0"/>
-              <a:t>8/08/2023</a:t>
+              <a:t>13/10/2023</a:t>
             </a:fld>
             <a:endParaRPr lang="en-AU"/>
           </a:p>
@@ -2351,7 +2352,7 @@
           <a:p>
             <a:fld id="{17627208-582F-4918-B86F-64AC116E7DCD}" type="datetimeFigureOut">
               <a:rPr lang="en-AU" smtClean="0"/>
-              <a:t>8/08/2023</a:t>
+              <a:t>13/10/2023</a:t>
             </a:fld>
             <a:endParaRPr lang="en-AU"/>
           </a:p>
@@ -2564,7 +2565,7 @@
           <a:p>
             <a:fld id="{17627208-582F-4918-B86F-64AC116E7DCD}" type="datetimeFigureOut">
               <a:rPr lang="en-AU" smtClean="0"/>
-              <a:t>8/08/2023</a:t>
+              <a:t>13/10/2023</a:t>
             </a:fld>
             <a:endParaRPr lang="en-AU"/>
           </a:p>
@@ -4780,6 +4781,1050 @@
 </p:sld>
 </file>
 
+<file path=ppt/slides/slide2.xml><?xml version="1.0" encoding="utf-8"?>
+<p:sld xmlns:a="http://schemas.openxmlformats.org/drawingml/2006/main" xmlns:r="http://schemas.openxmlformats.org/officeDocument/2006/relationships" xmlns:p="http://schemas.openxmlformats.org/presentationml/2006/main">
+  <p:cSld>
+    <p:spTree>
+      <p:nvGrpSpPr>
+        <p:cNvPr id="1" name=""/>
+        <p:cNvGrpSpPr/>
+        <p:nvPr/>
+      </p:nvGrpSpPr>
+      <p:grpSpPr>
+        <a:xfrm>
+          <a:off x="0" y="0"/>
+          <a:ext cx="0" cy="0"/>
+          <a:chOff x="0" y="0"/>
+          <a:chExt cx="0" cy="0"/>
+        </a:xfrm>
+      </p:grpSpPr>
+      <p:sp>
+        <p:nvSpPr>
+          <p:cNvPr id="10" name="Rectangle: Rounded Corners 9">
+            <a:extLst>
+              <a:ext uri="{FF2B5EF4-FFF2-40B4-BE49-F238E27FC236}">
+                <a16:creationId xmlns:a16="http://schemas.microsoft.com/office/drawing/2014/main" id="{B76AFA6F-064D-2ADB-6BAA-B8BD52A33DCB}"/>
+              </a:ext>
+            </a:extLst>
+          </p:cNvPr>
+          <p:cNvSpPr/>
+          <p:nvPr/>
+        </p:nvSpPr>
+        <p:spPr>
+          <a:xfrm>
+            <a:off x="7056987" y="3925241"/>
+            <a:ext cx="2570307" cy="2427627"/>
+          </a:xfrm>
+          <a:prstGeom prst="roundRect">
+            <a:avLst/>
+          </a:prstGeom>
+          <a:solidFill>
+            <a:srgbClr val="FF8C52"/>
+          </a:solidFill>
+          <a:ln>
+            <a:noFill/>
+          </a:ln>
+        </p:spPr>
+        <p:style>
+          <a:lnRef idx="2">
+            <a:schemeClr val="accent1">
+              <a:shade val="15000"/>
+            </a:schemeClr>
+          </a:lnRef>
+          <a:fillRef idx="1">
+            <a:schemeClr val="accent1"/>
+          </a:fillRef>
+          <a:effectRef idx="0">
+            <a:schemeClr val="accent1"/>
+          </a:effectRef>
+          <a:fontRef idx="minor">
+            <a:schemeClr val="lt1"/>
+          </a:fontRef>
+        </p:style>
+        <p:txBody>
+          <a:bodyPr rtlCol="0" anchor="ctr"/>
+          <a:lstStyle/>
+          <a:p>
+            <a:pPr algn="ctr"/>
+            <a:endParaRPr lang="en-US"/>
+          </a:p>
+        </p:txBody>
+      </p:sp>
+      <p:grpSp>
+        <p:nvGrpSpPr>
+          <p:cNvPr id="3" name="Group 2"/>
+          <p:cNvGrpSpPr/>
+          <p:nvPr/>
+        </p:nvGrpSpPr>
+        <p:grpSpPr>
+          <a:xfrm>
+            <a:off x="4888733" y="1219432"/>
+            <a:ext cx="5881036" cy="2006304"/>
+            <a:chOff x="1222409" y="2257689"/>
+            <a:chExt cx="5881036" cy="2006304"/>
+          </a:xfrm>
+        </p:grpSpPr>
+        <p:sp>
+          <p:nvSpPr>
+            <p:cNvPr id="5" name="Rounded Rectangle 4"/>
+            <p:cNvSpPr/>
+            <p:nvPr/>
+          </p:nvSpPr>
+          <p:spPr>
+            <a:xfrm>
+              <a:off x="1222409" y="2257689"/>
+              <a:ext cx="5881036" cy="2006304"/>
+            </a:xfrm>
+            <a:prstGeom prst="roundRect">
+              <a:avLst>
+                <a:gd name="adj" fmla="val 50000"/>
+              </a:avLst>
+            </a:prstGeom>
+            <a:solidFill>
+              <a:srgbClr val="FF8C52"/>
+            </a:solidFill>
+            <a:ln>
+              <a:noFill/>
+            </a:ln>
+            <a:effectLst>
+              <a:glow rad="444500">
+                <a:srgbClr val="FF8C52"/>
+              </a:glow>
+            </a:effectLst>
+          </p:spPr>
+          <p:style>
+            <a:lnRef idx="2">
+              <a:schemeClr val="accent1">
+                <a:shade val="50000"/>
+              </a:schemeClr>
+            </a:lnRef>
+            <a:fillRef idx="1">
+              <a:schemeClr val="accent1"/>
+            </a:fillRef>
+            <a:effectRef idx="0">
+              <a:schemeClr val="accent1"/>
+            </a:effectRef>
+            <a:fontRef idx="minor">
+              <a:schemeClr val="lt1"/>
+            </a:fontRef>
+          </p:style>
+          <p:txBody>
+            <a:bodyPr rtlCol="0" anchor="ctr"/>
+            <a:lstStyle/>
+            <a:p>
+              <a:pPr algn="ctr"/>
+              <a:endParaRPr lang="en-AU"/>
+            </a:p>
+          </p:txBody>
+        </p:sp>
+        <p:sp>
+          <p:nvSpPr>
+            <p:cNvPr id="6" name="Freeform 5"/>
+            <p:cNvSpPr/>
+            <p:nvPr/>
+          </p:nvSpPr>
+          <p:spPr>
+            <a:xfrm>
+              <a:off x="1666428" y="2392441"/>
+              <a:ext cx="1293159" cy="1293159"/>
+            </a:xfrm>
+            <a:custGeom>
+              <a:avLst/>
+              <a:gdLst>
+                <a:gd name="connsiteX0" fmla="*/ 1080000 w 2160000"/>
+                <a:gd name="connsiteY0" fmla="*/ 0 h 2160000"/>
+                <a:gd name="connsiteX1" fmla="*/ 2154424 w 2160000"/>
+                <a:gd name="connsiteY1" fmla="*/ 969576 h 2160000"/>
+                <a:gd name="connsiteX2" fmla="*/ 2157027 w 2160000"/>
+                <a:gd name="connsiteY2" fmla="*/ 1021127 h 2160000"/>
+                <a:gd name="connsiteX3" fmla="*/ 2159999 w 2160000"/>
+                <a:gd name="connsiteY3" fmla="*/ 1021127 h 2160000"/>
+                <a:gd name="connsiteX4" fmla="*/ 2159999 w 2160000"/>
+                <a:gd name="connsiteY4" fmla="*/ 1079980 h 2160000"/>
+                <a:gd name="connsiteX5" fmla="*/ 2160000 w 2160000"/>
+                <a:gd name="connsiteY5" fmla="*/ 1080000 h 2160000"/>
+                <a:gd name="connsiteX6" fmla="*/ 2159999 w 2160000"/>
+                <a:gd name="connsiteY6" fmla="*/ 1080021 h 2160000"/>
+                <a:gd name="connsiteX7" fmla="*/ 2159999 w 2160000"/>
+                <a:gd name="connsiteY7" fmla="*/ 1716639 h 2160000"/>
+                <a:gd name="connsiteX8" fmla="*/ 2157838 w 2160000"/>
+                <a:gd name="connsiteY8" fmla="*/ 1716639 h 2160000"/>
+                <a:gd name="connsiteX9" fmla="*/ 2160000 w 2160000"/>
+                <a:gd name="connsiteY9" fmla="*/ 1738544 h 2160000"/>
+                <a:gd name="connsiteX10" fmla="*/ 1891921 w 2160000"/>
+                <a:gd name="connsiteY10" fmla="*/ 2012333 h 2160000"/>
+                <a:gd name="connsiteX11" fmla="*/ 1623842 w 2160000"/>
+                <a:gd name="connsiteY11" fmla="*/ 1738544 h 2160000"/>
+                <a:gd name="connsiteX12" fmla="*/ 1626005 w 2160000"/>
+                <a:gd name="connsiteY12" fmla="*/ 1716639 h 2160000"/>
+                <a:gd name="connsiteX13" fmla="*/ 1620298 w 2160000"/>
+                <a:gd name="connsiteY13" fmla="*/ 1716639 h 2160000"/>
+                <a:gd name="connsiteX14" fmla="*/ 1620298 w 2160000"/>
+                <a:gd name="connsiteY14" fmla="*/ 1090950 h 2160000"/>
+                <a:gd name="connsiteX15" fmla="*/ 1618898 w 2160000"/>
+                <a:gd name="connsiteY15" fmla="*/ 1090937 h 2160000"/>
+                <a:gd name="connsiteX16" fmla="*/ 1620000 w 2160000"/>
+                <a:gd name="connsiteY16" fmla="*/ 1080000 h 2160000"/>
+                <a:gd name="connsiteX17" fmla="*/ 1080000 w 2160000"/>
+                <a:gd name="connsiteY17" fmla="*/ 540000 h 2160000"/>
+                <a:gd name="connsiteX18" fmla="*/ 540000 w 2160000"/>
+                <a:gd name="connsiteY18" fmla="*/ 1080000 h 2160000"/>
+                <a:gd name="connsiteX19" fmla="*/ 1080000 w 2160000"/>
+                <a:gd name="connsiteY19" fmla="*/ 1620000 h 2160000"/>
+                <a:gd name="connsiteX20" fmla="*/ 1172144 w 2160000"/>
+                <a:gd name="connsiteY20" fmla="*/ 1610711 h 2160000"/>
+                <a:gd name="connsiteX21" fmla="*/ 1192722 w 2160000"/>
+                <a:gd name="connsiteY21" fmla="*/ 1599542 h 2160000"/>
+                <a:gd name="connsiteX22" fmla="*/ 1205334 w 2160000"/>
+                <a:gd name="connsiteY22" fmla="*/ 1595627 h 2160000"/>
+                <a:gd name="connsiteX23" fmla="*/ 1218649 w 2160000"/>
+                <a:gd name="connsiteY23" fmla="*/ 1594482 h 2160000"/>
+                <a:gd name="connsiteX24" fmla="*/ 1273176 w 2160000"/>
+                <a:gd name="connsiteY24" fmla="*/ 1581875 h 2160000"/>
+                <a:gd name="connsiteX25" fmla="*/ 1277433 w 2160000"/>
+                <a:gd name="connsiteY25" fmla="*/ 1580379 h 2160000"/>
+                <a:gd name="connsiteX26" fmla="*/ 1297818 w 2160000"/>
+                <a:gd name="connsiteY26" fmla="*/ 1578324 h 2160000"/>
+                <a:gd name="connsiteX27" fmla="*/ 1567818 w 2160000"/>
+                <a:gd name="connsiteY27" fmla="*/ 1848324 h 2160000"/>
+                <a:gd name="connsiteX28" fmla="*/ 1469563 w 2160000"/>
+                <a:gd name="connsiteY28" fmla="*/ 2056669 h 2160000"/>
+                <a:gd name="connsiteX29" fmla="*/ 1412948 w 2160000"/>
+                <a:gd name="connsiteY29" fmla="*/ 2091019 h 2160000"/>
+                <a:gd name="connsiteX30" fmla="*/ 1398272 w 2160000"/>
+                <a:gd name="connsiteY30" fmla="*/ 2101498 h 2160000"/>
+                <a:gd name="connsiteX31" fmla="*/ 1374464 w 2160000"/>
+                <a:gd name="connsiteY31" fmla="*/ 2110955 h 2160000"/>
+                <a:gd name="connsiteX32" fmla="*/ 1376211 w 2160000"/>
+                <a:gd name="connsiteY32" fmla="*/ 2117860 h 2160000"/>
+                <a:gd name="connsiteX33" fmla="*/ 1321962 w 2160000"/>
+                <a:gd name="connsiteY33" fmla="*/ 2131809 h 2160000"/>
+                <a:gd name="connsiteX34" fmla="*/ 1306247 w 2160000"/>
+                <a:gd name="connsiteY34" fmla="*/ 2138051 h 2160000"/>
+                <a:gd name="connsiteX35" fmla="*/ 1267530 w 2160000"/>
+                <a:gd name="connsiteY35" fmla="*/ 2142656 h 2160000"/>
+                <a:gd name="connsiteX36" fmla="*/ 1190424 w 2160000"/>
+                <a:gd name="connsiteY36" fmla="*/ 2154424 h 2160000"/>
+                <a:gd name="connsiteX37" fmla="*/ 1080000 w 2160000"/>
+                <a:gd name="connsiteY37" fmla="*/ 2160000 h 2160000"/>
+                <a:gd name="connsiteX38" fmla="*/ 0 w 2160000"/>
+                <a:gd name="connsiteY38" fmla="*/ 1080000 h 2160000"/>
+                <a:gd name="connsiteX39" fmla="*/ 1080000 w 2160000"/>
+                <a:gd name="connsiteY39" fmla="*/ 0 h 2160000"/>
+              </a:gdLst>
+              <a:ahLst/>
+              <a:cxnLst>
+                <a:cxn ang="0">
+                  <a:pos x="connsiteX0" y="connsiteY0"/>
+                </a:cxn>
+                <a:cxn ang="0">
+                  <a:pos x="connsiteX1" y="connsiteY1"/>
+                </a:cxn>
+                <a:cxn ang="0">
+                  <a:pos x="connsiteX2" y="connsiteY2"/>
+                </a:cxn>
+                <a:cxn ang="0">
+                  <a:pos x="connsiteX3" y="connsiteY3"/>
+                </a:cxn>
+                <a:cxn ang="0">
+                  <a:pos x="connsiteX4" y="connsiteY4"/>
+                </a:cxn>
+                <a:cxn ang="0">
+                  <a:pos x="connsiteX5" y="connsiteY5"/>
+                </a:cxn>
+                <a:cxn ang="0">
+                  <a:pos x="connsiteX6" y="connsiteY6"/>
+                </a:cxn>
+                <a:cxn ang="0">
+                  <a:pos x="connsiteX7" y="connsiteY7"/>
+                </a:cxn>
+                <a:cxn ang="0">
+                  <a:pos x="connsiteX8" y="connsiteY8"/>
+                </a:cxn>
+                <a:cxn ang="0">
+                  <a:pos x="connsiteX9" y="connsiteY9"/>
+                </a:cxn>
+                <a:cxn ang="0">
+                  <a:pos x="connsiteX10" y="connsiteY10"/>
+                </a:cxn>
+                <a:cxn ang="0">
+                  <a:pos x="connsiteX11" y="connsiteY11"/>
+                </a:cxn>
+                <a:cxn ang="0">
+                  <a:pos x="connsiteX12" y="connsiteY12"/>
+                </a:cxn>
+                <a:cxn ang="0">
+                  <a:pos x="connsiteX13" y="connsiteY13"/>
+                </a:cxn>
+                <a:cxn ang="0">
+                  <a:pos x="connsiteX14" y="connsiteY14"/>
+                </a:cxn>
+                <a:cxn ang="0">
+                  <a:pos x="connsiteX15" y="connsiteY15"/>
+                </a:cxn>
+                <a:cxn ang="0">
+                  <a:pos x="connsiteX16" y="connsiteY16"/>
+                </a:cxn>
+                <a:cxn ang="0">
+                  <a:pos x="connsiteX17" y="connsiteY17"/>
+                </a:cxn>
+                <a:cxn ang="0">
+                  <a:pos x="connsiteX18" y="connsiteY18"/>
+                </a:cxn>
+                <a:cxn ang="0">
+                  <a:pos x="connsiteX19" y="connsiteY19"/>
+                </a:cxn>
+                <a:cxn ang="0">
+                  <a:pos x="connsiteX20" y="connsiteY20"/>
+                </a:cxn>
+                <a:cxn ang="0">
+                  <a:pos x="connsiteX21" y="connsiteY21"/>
+                </a:cxn>
+                <a:cxn ang="0">
+                  <a:pos x="connsiteX22" y="connsiteY22"/>
+                </a:cxn>
+                <a:cxn ang="0">
+                  <a:pos x="connsiteX23" y="connsiteY23"/>
+                </a:cxn>
+                <a:cxn ang="0">
+                  <a:pos x="connsiteX24" y="connsiteY24"/>
+                </a:cxn>
+                <a:cxn ang="0">
+                  <a:pos x="connsiteX25" y="connsiteY25"/>
+                </a:cxn>
+                <a:cxn ang="0">
+                  <a:pos x="connsiteX26" y="connsiteY26"/>
+                </a:cxn>
+                <a:cxn ang="0">
+                  <a:pos x="connsiteX27" y="connsiteY27"/>
+                </a:cxn>
+                <a:cxn ang="0">
+                  <a:pos x="connsiteX28" y="connsiteY28"/>
+                </a:cxn>
+                <a:cxn ang="0">
+                  <a:pos x="connsiteX29" y="connsiteY29"/>
+                </a:cxn>
+                <a:cxn ang="0">
+                  <a:pos x="connsiteX30" y="connsiteY30"/>
+                </a:cxn>
+                <a:cxn ang="0">
+                  <a:pos x="connsiteX31" y="connsiteY31"/>
+                </a:cxn>
+                <a:cxn ang="0">
+                  <a:pos x="connsiteX32" y="connsiteY32"/>
+                </a:cxn>
+                <a:cxn ang="0">
+                  <a:pos x="connsiteX33" y="connsiteY33"/>
+                </a:cxn>
+                <a:cxn ang="0">
+                  <a:pos x="connsiteX34" y="connsiteY34"/>
+                </a:cxn>
+                <a:cxn ang="0">
+                  <a:pos x="connsiteX35" y="connsiteY35"/>
+                </a:cxn>
+                <a:cxn ang="0">
+                  <a:pos x="connsiteX36" y="connsiteY36"/>
+                </a:cxn>
+                <a:cxn ang="0">
+                  <a:pos x="connsiteX37" y="connsiteY37"/>
+                </a:cxn>
+                <a:cxn ang="0">
+                  <a:pos x="connsiteX38" y="connsiteY38"/>
+                </a:cxn>
+                <a:cxn ang="0">
+                  <a:pos x="connsiteX39" y="connsiteY39"/>
+                </a:cxn>
+              </a:cxnLst>
+              <a:rect l="l" t="t" r="r" b="b"/>
+              <a:pathLst>
+                <a:path w="2160000" h="2160000">
+                  <a:moveTo>
+                    <a:pt x="1080000" y="0"/>
+                  </a:moveTo>
+                  <a:cubicBezTo>
+                    <a:pt x="1639189" y="0"/>
+                    <a:pt x="2099117" y="424979"/>
+                    <a:pt x="2154424" y="969576"/>
+                  </a:cubicBezTo>
+                  <a:lnTo>
+                    <a:pt x="2157027" y="1021127"/>
+                  </a:lnTo>
+                  <a:lnTo>
+                    <a:pt x="2159999" y="1021127"/>
+                  </a:lnTo>
+                  <a:lnTo>
+                    <a:pt x="2159999" y="1079980"/>
+                  </a:lnTo>
+                  <a:lnTo>
+                    <a:pt x="2160000" y="1080000"/>
+                  </a:lnTo>
+                  <a:lnTo>
+                    <a:pt x="2159999" y="1080021"/>
+                  </a:lnTo>
+                  <a:lnTo>
+                    <a:pt x="2159999" y="1716639"/>
+                  </a:lnTo>
+                  <a:lnTo>
+                    <a:pt x="2157838" y="1716639"/>
+                  </a:lnTo>
+                  <a:lnTo>
+                    <a:pt x="2160000" y="1738544"/>
+                  </a:lnTo>
+                  <a:cubicBezTo>
+                    <a:pt x="2160000" y="1889753"/>
+                    <a:pt x="2039977" y="2012333"/>
+                    <a:pt x="1891921" y="2012333"/>
+                  </a:cubicBezTo>
+                  <a:cubicBezTo>
+                    <a:pt x="1743865" y="2012333"/>
+                    <a:pt x="1623842" y="1889753"/>
+                    <a:pt x="1623842" y="1738544"/>
+                  </a:cubicBezTo>
+                  <a:lnTo>
+                    <a:pt x="1626005" y="1716639"/>
+                  </a:lnTo>
+                  <a:lnTo>
+                    <a:pt x="1620298" y="1716639"/>
+                  </a:lnTo>
+                  <a:lnTo>
+                    <a:pt x="1620298" y="1090950"/>
+                  </a:lnTo>
+                  <a:lnTo>
+                    <a:pt x="1618898" y="1090937"/>
+                  </a:lnTo>
+                  <a:lnTo>
+                    <a:pt x="1620000" y="1080000"/>
+                  </a:lnTo>
+                  <a:cubicBezTo>
+                    <a:pt x="1620000" y="781766"/>
+                    <a:pt x="1378234" y="540000"/>
+                    <a:pt x="1080000" y="540000"/>
+                  </a:cubicBezTo>
+                  <a:cubicBezTo>
+                    <a:pt x="781766" y="540000"/>
+                    <a:pt x="540000" y="781766"/>
+                    <a:pt x="540000" y="1080000"/>
+                  </a:cubicBezTo>
+                  <a:cubicBezTo>
+                    <a:pt x="540000" y="1378234"/>
+                    <a:pt x="781766" y="1620000"/>
+                    <a:pt x="1080000" y="1620000"/>
+                  </a:cubicBezTo>
+                  <a:lnTo>
+                    <a:pt x="1172144" y="1610711"/>
+                  </a:lnTo>
+                  <a:lnTo>
+                    <a:pt x="1192722" y="1599542"/>
+                  </a:lnTo>
+                  <a:lnTo>
+                    <a:pt x="1205334" y="1595627"/>
+                  </a:lnTo>
+                  <a:lnTo>
+                    <a:pt x="1218649" y="1594482"/>
+                  </a:lnTo>
+                  <a:cubicBezTo>
+                    <a:pt x="1237851" y="1591023"/>
+                    <a:pt x="1256099" y="1586790"/>
+                    <a:pt x="1273176" y="1581875"/>
+                  </a:cubicBezTo>
+                  <a:lnTo>
+                    <a:pt x="1277433" y="1580379"/>
+                  </a:lnTo>
+                  <a:lnTo>
+                    <a:pt x="1297818" y="1578324"/>
+                  </a:lnTo>
+                  <a:cubicBezTo>
+                    <a:pt x="1446935" y="1578324"/>
+                    <a:pt x="1567818" y="1699207"/>
+                    <a:pt x="1567818" y="1848324"/>
+                  </a:cubicBezTo>
+                  <a:cubicBezTo>
+                    <a:pt x="1567818" y="1932202"/>
+                    <a:pt x="1529570" y="2007147"/>
+                    <a:pt x="1469563" y="2056669"/>
+                  </a:cubicBezTo>
+                  <a:lnTo>
+                    <a:pt x="1412948" y="2091019"/>
+                  </a:lnTo>
+                  <a:lnTo>
+                    <a:pt x="1398272" y="2101498"/>
+                  </a:lnTo>
+                  <a:lnTo>
+                    <a:pt x="1374464" y="2110955"/>
+                  </a:lnTo>
+                  <a:lnTo>
+                    <a:pt x="1376211" y="2117860"/>
+                  </a:lnTo>
+                  <a:lnTo>
+                    <a:pt x="1321962" y="2131809"/>
+                  </a:lnTo>
+                  <a:lnTo>
+                    <a:pt x="1306247" y="2138051"/>
+                  </a:lnTo>
+                  <a:lnTo>
+                    <a:pt x="1267530" y="2142656"/>
+                  </a:lnTo>
+                  <a:lnTo>
+                    <a:pt x="1190424" y="2154424"/>
+                  </a:lnTo>
+                  <a:cubicBezTo>
+                    <a:pt x="1154118" y="2158111"/>
+                    <a:pt x="1117280" y="2160000"/>
+                    <a:pt x="1080000" y="2160000"/>
+                  </a:cubicBezTo>
+                  <a:cubicBezTo>
+                    <a:pt x="483532" y="2160000"/>
+                    <a:pt x="0" y="1676468"/>
+                    <a:pt x="0" y="1080000"/>
+                  </a:cubicBezTo>
+                  <a:cubicBezTo>
+                    <a:pt x="0" y="483532"/>
+                    <a:pt x="483532" y="0"/>
+                    <a:pt x="1080000" y="0"/>
+                  </a:cubicBezTo>
+                  <a:close/>
+                </a:path>
+              </a:pathLst>
+            </a:custGeom>
+            <a:solidFill>
+              <a:schemeClr val="bg1"/>
+            </a:solidFill>
+            <a:ln>
+              <a:solidFill>
+                <a:schemeClr val="bg1"/>
+              </a:solidFill>
+            </a:ln>
+          </p:spPr>
+          <p:style>
+            <a:lnRef idx="2">
+              <a:schemeClr val="accent1">
+                <a:shade val="50000"/>
+              </a:schemeClr>
+            </a:lnRef>
+            <a:fillRef idx="1">
+              <a:schemeClr val="accent1"/>
+            </a:fillRef>
+            <a:effectRef idx="0">
+              <a:schemeClr val="accent1"/>
+            </a:effectRef>
+            <a:fontRef idx="minor">
+              <a:schemeClr val="lt1"/>
+            </a:fontRef>
+          </p:style>
+          <p:txBody>
+            <a:bodyPr rtlCol="0" anchor="ctr"/>
+            <a:lstStyle/>
+            <a:p>
+              <a:pPr algn="ctr"/>
+              <a:endParaRPr lang="en-AU">
+                <a:latin typeface="Oxygen" panose="02000503000000000000" pitchFamily="2" charset="0"/>
+              </a:endParaRPr>
+            </a:p>
+          </p:txBody>
+        </p:sp>
+        <p:sp>
+          <p:nvSpPr>
+            <p:cNvPr id="7" name="TextBox 6"/>
+            <p:cNvSpPr txBox="1"/>
+            <p:nvPr/>
+          </p:nvSpPr>
+          <p:spPr>
+            <a:xfrm>
+              <a:off x="2920950" y="2501532"/>
+              <a:ext cx="3925869" cy="1323439"/>
+            </a:xfrm>
+            <a:prstGeom prst="rect">
+              <a:avLst/>
+            </a:prstGeom>
+            <a:noFill/>
+          </p:spPr>
+          <p:txBody>
+            <a:bodyPr wrap="square" rtlCol="0">
+              <a:spAutoFit/>
+            </a:bodyPr>
+            <a:lstStyle/>
+            <a:p>
+              <a:r>
+                <a:rPr lang="en-US" sz="8000" b="1" dirty="0">
+                  <a:solidFill>
+                    <a:schemeClr val="bg1"/>
+                  </a:solidFill>
+                  <a:latin typeface="Oxygen" panose="02000503000000000000" pitchFamily="2" charset="0"/>
+                </a:rPr>
+                <a:t>nodiam</a:t>
+              </a:r>
+              <a:endParaRPr lang="en-AU" sz="2800" b="1" dirty="0">
+                <a:solidFill>
+                  <a:schemeClr val="bg1"/>
+                </a:solidFill>
+                <a:latin typeface="Oxygen" panose="02000503000000000000" pitchFamily="2" charset="0"/>
+              </a:endParaRPr>
+            </a:p>
+          </p:txBody>
+        </p:sp>
+        <p:sp>
+          <p:nvSpPr>
+            <p:cNvPr id="8" name="TextBox 7"/>
+            <p:cNvSpPr txBox="1"/>
+            <p:nvPr/>
+          </p:nvSpPr>
+          <p:spPr>
+            <a:xfrm>
+              <a:off x="1597355" y="3632725"/>
+              <a:ext cx="5125417" cy="569387"/>
+            </a:xfrm>
+            <a:prstGeom prst="rect">
+              <a:avLst/>
+            </a:prstGeom>
+            <a:noFill/>
+          </p:spPr>
+          <p:txBody>
+            <a:bodyPr wrap="square" rtlCol="0">
+              <a:spAutoFit/>
+            </a:bodyPr>
+            <a:lstStyle/>
+            <a:p>
+              <a:r>
+                <a:rPr lang="en-US" sz="3100" b="1" i="1" dirty="0">
+                  <a:solidFill>
+                    <a:schemeClr val="bg1"/>
+                  </a:solidFill>
+                  <a:latin typeface="Oxygen" panose="02000503000000000000" pitchFamily="2" charset="0"/>
+                </a:rPr>
+                <a:t>Education that enlightens!</a:t>
+              </a:r>
+              <a:endParaRPr lang="en-AU" sz="3100" b="1" i="1" dirty="0">
+                <a:solidFill>
+                  <a:schemeClr val="bg1"/>
+                </a:solidFill>
+                <a:latin typeface="Oxygen" panose="02000503000000000000" pitchFamily="2" charset="0"/>
+              </a:endParaRPr>
+            </a:p>
+          </p:txBody>
+        </p:sp>
+      </p:grpSp>
+      <p:sp>
+        <p:nvSpPr>
+          <p:cNvPr id="2" name="Freeform 3">
+            <a:extLst>
+              <a:ext uri="{FF2B5EF4-FFF2-40B4-BE49-F238E27FC236}">
+                <a16:creationId xmlns:a16="http://schemas.microsoft.com/office/drawing/2014/main" id="{A485A92A-2A37-98B3-012D-F057657A6F82}"/>
+              </a:ext>
+            </a:extLst>
+          </p:cNvPr>
+          <p:cNvSpPr/>
+          <p:nvPr/>
+        </p:nvSpPr>
+        <p:spPr>
+          <a:xfrm>
+            <a:off x="7695560" y="4492474"/>
+            <a:ext cx="1293159" cy="1293159"/>
+          </a:xfrm>
+          <a:custGeom>
+            <a:avLst/>
+            <a:gdLst>
+              <a:gd name="connsiteX0" fmla="*/ 1080000 w 2160000"/>
+              <a:gd name="connsiteY0" fmla="*/ 0 h 2160000"/>
+              <a:gd name="connsiteX1" fmla="*/ 2154424 w 2160000"/>
+              <a:gd name="connsiteY1" fmla="*/ 969576 h 2160000"/>
+              <a:gd name="connsiteX2" fmla="*/ 2157027 w 2160000"/>
+              <a:gd name="connsiteY2" fmla="*/ 1021127 h 2160000"/>
+              <a:gd name="connsiteX3" fmla="*/ 2159999 w 2160000"/>
+              <a:gd name="connsiteY3" fmla="*/ 1021127 h 2160000"/>
+              <a:gd name="connsiteX4" fmla="*/ 2159999 w 2160000"/>
+              <a:gd name="connsiteY4" fmla="*/ 1079980 h 2160000"/>
+              <a:gd name="connsiteX5" fmla="*/ 2160000 w 2160000"/>
+              <a:gd name="connsiteY5" fmla="*/ 1080000 h 2160000"/>
+              <a:gd name="connsiteX6" fmla="*/ 2159999 w 2160000"/>
+              <a:gd name="connsiteY6" fmla="*/ 1080021 h 2160000"/>
+              <a:gd name="connsiteX7" fmla="*/ 2159999 w 2160000"/>
+              <a:gd name="connsiteY7" fmla="*/ 1716639 h 2160000"/>
+              <a:gd name="connsiteX8" fmla="*/ 2157838 w 2160000"/>
+              <a:gd name="connsiteY8" fmla="*/ 1716639 h 2160000"/>
+              <a:gd name="connsiteX9" fmla="*/ 2160000 w 2160000"/>
+              <a:gd name="connsiteY9" fmla="*/ 1738544 h 2160000"/>
+              <a:gd name="connsiteX10" fmla="*/ 1891921 w 2160000"/>
+              <a:gd name="connsiteY10" fmla="*/ 2012333 h 2160000"/>
+              <a:gd name="connsiteX11" fmla="*/ 1623842 w 2160000"/>
+              <a:gd name="connsiteY11" fmla="*/ 1738544 h 2160000"/>
+              <a:gd name="connsiteX12" fmla="*/ 1626005 w 2160000"/>
+              <a:gd name="connsiteY12" fmla="*/ 1716639 h 2160000"/>
+              <a:gd name="connsiteX13" fmla="*/ 1620298 w 2160000"/>
+              <a:gd name="connsiteY13" fmla="*/ 1716639 h 2160000"/>
+              <a:gd name="connsiteX14" fmla="*/ 1620298 w 2160000"/>
+              <a:gd name="connsiteY14" fmla="*/ 1090950 h 2160000"/>
+              <a:gd name="connsiteX15" fmla="*/ 1618898 w 2160000"/>
+              <a:gd name="connsiteY15" fmla="*/ 1090937 h 2160000"/>
+              <a:gd name="connsiteX16" fmla="*/ 1620000 w 2160000"/>
+              <a:gd name="connsiteY16" fmla="*/ 1080000 h 2160000"/>
+              <a:gd name="connsiteX17" fmla="*/ 1080000 w 2160000"/>
+              <a:gd name="connsiteY17" fmla="*/ 540000 h 2160000"/>
+              <a:gd name="connsiteX18" fmla="*/ 540000 w 2160000"/>
+              <a:gd name="connsiteY18" fmla="*/ 1080000 h 2160000"/>
+              <a:gd name="connsiteX19" fmla="*/ 1080000 w 2160000"/>
+              <a:gd name="connsiteY19" fmla="*/ 1620000 h 2160000"/>
+              <a:gd name="connsiteX20" fmla="*/ 1172144 w 2160000"/>
+              <a:gd name="connsiteY20" fmla="*/ 1610711 h 2160000"/>
+              <a:gd name="connsiteX21" fmla="*/ 1192722 w 2160000"/>
+              <a:gd name="connsiteY21" fmla="*/ 1599542 h 2160000"/>
+              <a:gd name="connsiteX22" fmla="*/ 1205334 w 2160000"/>
+              <a:gd name="connsiteY22" fmla="*/ 1595627 h 2160000"/>
+              <a:gd name="connsiteX23" fmla="*/ 1218649 w 2160000"/>
+              <a:gd name="connsiteY23" fmla="*/ 1594482 h 2160000"/>
+              <a:gd name="connsiteX24" fmla="*/ 1273176 w 2160000"/>
+              <a:gd name="connsiteY24" fmla="*/ 1581875 h 2160000"/>
+              <a:gd name="connsiteX25" fmla="*/ 1277433 w 2160000"/>
+              <a:gd name="connsiteY25" fmla="*/ 1580379 h 2160000"/>
+              <a:gd name="connsiteX26" fmla="*/ 1297818 w 2160000"/>
+              <a:gd name="connsiteY26" fmla="*/ 1578324 h 2160000"/>
+              <a:gd name="connsiteX27" fmla="*/ 1567818 w 2160000"/>
+              <a:gd name="connsiteY27" fmla="*/ 1848324 h 2160000"/>
+              <a:gd name="connsiteX28" fmla="*/ 1469563 w 2160000"/>
+              <a:gd name="connsiteY28" fmla="*/ 2056669 h 2160000"/>
+              <a:gd name="connsiteX29" fmla="*/ 1412948 w 2160000"/>
+              <a:gd name="connsiteY29" fmla="*/ 2091019 h 2160000"/>
+              <a:gd name="connsiteX30" fmla="*/ 1398272 w 2160000"/>
+              <a:gd name="connsiteY30" fmla="*/ 2101498 h 2160000"/>
+              <a:gd name="connsiteX31" fmla="*/ 1374464 w 2160000"/>
+              <a:gd name="connsiteY31" fmla="*/ 2110955 h 2160000"/>
+              <a:gd name="connsiteX32" fmla="*/ 1376211 w 2160000"/>
+              <a:gd name="connsiteY32" fmla="*/ 2117860 h 2160000"/>
+              <a:gd name="connsiteX33" fmla="*/ 1321962 w 2160000"/>
+              <a:gd name="connsiteY33" fmla="*/ 2131809 h 2160000"/>
+              <a:gd name="connsiteX34" fmla="*/ 1306247 w 2160000"/>
+              <a:gd name="connsiteY34" fmla="*/ 2138051 h 2160000"/>
+              <a:gd name="connsiteX35" fmla="*/ 1267530 w 2160000"/>
+              <a:gd name="connsiteY35" fmla="*/ 2142656 h 2160000"/>
+              <a:gd name="connsiteX36" fmla="*/ 1190424 w 2160000"/>
+              <a:gd name="connsiteY36" fmla="*/ 2154424 h 2160000"/>
+              <a:gd name="connsiteX37" fmla="*/ 1080000 w 2160000"/>
+              <a:gd name="connsiteY37" fmla="*/ 2160000 h 2160000"/>
+              <a:gd name="connsiteX38" fmla="*/ 0 w 2160000"/>
+              <a:gd name="connsiteY38" fmla="*/ 1080000 h 2160000"/>
+              <a:gd name="connsiteX39" fmla="*/ 1080000 w 2160000"/>
+              <a:gd name="connsiteY39" fmla="*/ 0 h 2160000"/>
+            </a:gdLst>
+            <a:ahLst/>
+            <a:cxnLst>
+              <a:cxn ang="0">
+                <a:pos x="connsiteX0" y="connsiteY0"/>
+              </a:cxn>
+              <a:cxn ang="0">
+                <a:pos x="connsiteX1" y="connsiteY1"/>
+              </a:cxn>
+              <a:cxn ang="0">
+                <a:pos x="connsiteX2" y="connsiteY2"/>
+              </a:cxn>
+              <a:cxn ang="0">
+                <a:pos x="connsiteX3" y="connsiteY3"/>
+              </a:cxn>
+              <a:cxn ang="0">
+                <a:pos x="connsiteX4" y="connsiteY4"/>
+              </a:cxn>
+              <a:cxn ang="0">
+                <a:pos x="connsiteX5" y="connsiteY5"/>
+              </a:cxn>
+              <a:cxn ang="0">
+                <a:pos x="connsiteX6" y="connsiteY6"/>
+              </a:cxn>
+              <a:cxn ang="0">
+                <a:pos x="connsiteX7" y="connsiteY7"/>
+              </a:cxn>
+              <a:cxn ang="0">
+                <a:pos x="connsiteX8" y="connsiteY8"/>
+              </a:cxn>
+              <a:cxn ang="0">
+                <a:pos x="connsiteX9" y="connsiteY9"/>
+              </a:cxn>
+              <a:cxn ang="0">
+                <a:pos x="connsiteX10" y="connsiteY10"/>
+              </a:cxn>
+              <a:cxn ang="0">
+                <a:pos x="connsiteX11" y="connsiteY11"/>
+              </a:cxn>
+              <a:cxn ang="0">
+                <a:pos x="connsiteX12" y="connsiteY12"/>
+              </a:cxn>
+              <a:cxn ang="0">
+                <a:pos x="connsiteX13" y="connsiteY13"/>
+              </a:cxn>
+              <a:cxn ang="0">
+                <a:pos x="connsiteX14" y="connsiteY14"/>
+              </a:cxn>
+              <a:cxn ang="0">
+                <a:pos x="connsiteX15" y="connsiteY15"/>
+              </a:cxn>
+              <a:cxn ang="0">
+                <a:pos x="connsiteX16" y="connsiteY16"/>
+              </a:cxn>
+              <a:cxn ang="0">
+                <a:pos x="connsiteX17" y="connsiteY17"/>
+              </a:cxn>
+              <a:cxn ang="0">
+                <a:pos x="connsiteX18" y="connsiteY18"/>
+              </a:cxn>
+              <a:cxn ang="0">
+                <a:pos x="connsiteX19" y="connsiteY19"/>
+              </a:cxn>
+              <a:cxn ang="0">
+                <a:pos x="connsiteX20" y="connsiteY20"/>
+              </a:cxn>
+              <a:cxn ang="0">
+                <a:pos x="connsiteX21" y="connsiteY21"/>
+              </a:cxn>
+              <a:cxn ang="0">
+                <a:pos x="connsiteX22" y="connsiteY22"/>
+              </a:cxn>
+              <a:cxn ang="0">
+                <a:pos x="connsiteX23" y="connsiteY23"/>
+              </a:cxn>
+              <a:cxn ang="0">
+                <a:pos x="connsiteX24" y="connsiteY24"/>
+              </a:cxn>
+              <a:cxn ang="0">
+                <a:pos x="connsiteX25" y="connsiteY25"/>
+              </a:cxn>
+              <a:cxn ang="0">
+                <a:pos x="connsiteX26" y="connsiteY26"/>
+              </a:cxn>
+              <a:cxn ang="0">
+                <a:pos x="connsiteX27" y="connsiteY27"/>
+              </a:cxn>
+              <a:cxn ang="0">
+                <a:pos x="connsiteX28" y="connsiteY28"/>
+              </a:cxn>
+              <a:cxn ang="0">
+                <a:pos x="connsiteX29" y="connsiteY29"/>
+              </a:cxn>
+              <a:cxn ang="0">
+                <a:pos x="connsiteX30" y="connsiteY30"/>
+              </a:cxn>
+              <a:cxn ang="0">
+                <a:pos x="connsiteX31" y="connsiteY31"/>
+              </a:cxn>
+              <a:cxn ang="0">
+                <a:pos x="connsiteX32" y="connsiteY32"/>
+              </a:cxn>
+              <a:cxn ang="0">
+                <a:pos x="connsiteX33" y="connsiteY33"/>
+              </a:cxn>
+              <a:cxn ang="0">
+                <a:pos x="connsiteX34" y="connsiteY34"/>
+              </a:cxn>
+              <a:cxn ang="0">
+                <a:pos x="connsiteX35" y="connsiteY35"/>
+              </a:cxn>
+              <a:cxn ang="0">
+                <a:pos x="connsiteX36" y="connsiteY36"/>
+              </a:cxn>
+              <a:cxn ang="0">
+                <a:pos x="connsiteX37" y="connsiteY37"/>
+              </a:cxn>
+              <a:cxn ang="0">
+                <a:pos x="connsiteX38" y="connsiteY38"/>
+              </a:cxn>
+              <a:cxn ang="0">
+                <a:pos x="connsiteX39" y="connsiteY39"/>
+              </a:cxn>
+            </a:cxnLst>
+            <a:rect l="l" t="t" r="r" b="b"/>
+            <a:pathLst>
+              <a:path w="2160000" h="2160000">
+                <a:moveTo>
+                  <a:pt x="1080000" y="0"/>
+                </a:moveTo>
+                <a:cubicBezTo>
+                  <a:pt x="1639189" y="0"/>
+                  <a:pt x="2099117" y="424979"/>
+                  <a:pt x="2154424" y="969576"/>
+                </a:cubicBezTo>
+                <a:lnTo>
+                  <a:pt x="2157027" y="1021127"/>
+                </a:lnTo>
+                <a:lnTo>
+                  <a:pt x="2159999" y="1021127"/>
+                </a:lnTo>
+                <a:lnTo>
+                  <a:pt x="2159999" y="1079980"/>
+                </a:lnTo>
+                <a:lnTo>
+                  <a:pt x="2160000" y="1080000"/>
+                </a:lnTo>
+                <a:lnTo>
+                  <a:pt x="2159999" y="1080021"/>
+                </a:lnTo>
+                <a:lnTo>
+                  <a:pt x="2159999" y="1716639"/>
+                </a:lnTo>
+                <a:lnTo>
+                  <a:pt x="2157838" y="1716639"/>
+                </a:lnTo>
+                <a:lnTo>
+                  <a:pt x="2160000" y="1738544"/>
+                </a:lnTo>
+                <a:cubicBezTo>
+                  <a:pt x="2160000" y="1889753"/>
+                  <a:pt x="2039977" y="2012333"/>
+                  <a:pt x="1891921" y="2012333"/>
+                </a:cubicBezTo>
+                <a:cubicBezTo>
+                  <a:pt x="1743865" y="2012333"/>
+                  <a:pt x="1623842" y="1889753"/>
+                  <a:pt x="1623842" y="1738544"/>
+                </a:cubicBezTo>
+                <a:lnTo>
+                  <a:pt x="1626005" y="1716639"/>
+                </a:lnTo>
+                <a:lnTo>
+                  <a:pt x="1620298" y="1716639"/>
+                </a:lnTo>
+                <a:lnTo>
+                  <a:pt x="1620298" y="1090950"/>
+                </a:lnTo>
+                <a:lnTo>
+                  <a:pt x="1618898" y="1090937"/>
+                </a:lnTo>
+                <a:lnTo>
+                  <a:pt x="1620000" y="1080000"/>
+                </a:lnTo>
+                <a:cubicBezTo>
+                  <a:pt x="1620000" y="781766"/>
+                  <a:pt x="1378234" y="540000"/>
+                  <a:pt x="1080000" y="540000"/>
+                </a:cubicBezTo>
+                <a:cubicBezTo>
+                  <a:pt x="781766" y="540000"/>
+                  <a:pt x="540000" y="781766"/>
+                  <a:pt x="540000" y="1080000"/>
+                </a:cubicBezTo>
+                <a:cubicBezTo>
+                  <a:pt x="540000" y="1378234"/>
+                  <a:pt x="781766" y="1620000"/>
+                  <a:pt x="1080000" y="1620000"/>
+                </a:cubicBezTo>
+                <a:lnTo>
+                  <a:pt x="1172144" y="1610711"/>
+                </a:lnTo>
+                <a:lnTo>
+                  <a:pt x="1192722" y="1599542"/>
+                </a:lnTo>
+                <a:lnTo>
+                  <a:pt x="1205334" y="1595627"/>
+                </a:lnTo>
+                <a:lnTo>
+                  <a:pt x="1218649" y="1594482"/>
+                </a:lnTo>
+                <a:cubicBezTo>
+                  <a:pt x="1237851" y="1591023"/>
+                  <a:pt x="1256099" y="1586790"/>
+                  <a:pt x="1273176" y="1581875"/>
+                </a:cubicBezTo>
+                <a:lnTo>
+                  <a:pt x="1277433" y="1580379"/>
+                </a:lnTo>
+                <a:lnTo>
+                  <a:pt x="1297818" y="1578324"/>
+                </a:lnTo>
+                <a:cubicBezTo>
+                  <a:pt x="1446935" y="1578324"/>
+                  <a:pt x="1567818" y="1699207"/>
+                  <a:pt x="1567818" y="1848324"/>
+                </a:cubicBezTo>
+                <a:cubicBezTo>
+                  <a:pt x="1567818" y="1932202"/>
+                  <a:pt x="1529570" y="2007147"/>
+                  <a:pt x="1469563" y="2056669"/>
+                </a:cubicBezTo>
+                <a:lnTo>
+                  <a:pt x="1412948" y="2091019"/>
+                </a:lnTo>
+                <a:lnTo>
+                  <a:pt x="1398272" y="2101498"/>
+                </a:lnTo>
+                <a:lnTo>
+                  <a:pt x="1374464" y="2110955"/>
+                </a:lnTo>
+                <a:lnTo>
+                  <a:pt x="1376211" y="2117860"/>
+                </a:lnTo>
+                <a:lnTo>
+                  <a:pt x="1321962" y="2131809"/>
+                </a:lnTo>
+                <a:lnTo>
+                  <a:pt x="1306247" y="2138051"/>
+                </a:lnTo>
+                <a:lnTo>
+                  <a:pt x="1267530" y="2142656"/>
+                </a:lnTo>
+                <a:lnTo>
+                  <a:pt x="1190424" y="2154424"/>
+                </a:lnTo>
+                <a:cubicBezTo>
+                  <a:pt x="1154118" y="2158111"/>
+                  <a:pt x="1117280" y="2160000"/>
+                  <a:pt x="1080000" y="2160000"/>
+                </a:cubicBezTo>
+                <a:cubicBezTo>
+                  <a:pt x="483532" y="2160000"/>
+                  <a:pt x="0" y="1676468"/>
+                  <a:pt x="0" y="1080000"/>
+                </a:cubicBezTo>
+                <a:cubicBezTo>
+                  <a:pt x="0" y="483532"/>
+                  <a:pt x="483532" y="0"/>
+                  <a:pt x="1080000" y="0"/>
+                </a:cubicBezTo>
+                <a:close/>
+              </a:path>
+            </a:pathLst>
+          </a:custGeom>
+          <a:solidFill>
+            <a:schemeClr val="bg1"/>
+          </a:solidFill>
+          <a:ln>
+            <a:noFill/>
+          </a:ln>
+        </p:spPr>
+        <p:style>
+          <a:lnRef idx="2">
+            <a:schemeClr val="accent1">
+              <a:shade val="50000"/>
+            </a:schemeClr>
+          </a:lnRef>
+          <a:fillRef idx="1">
+            <a:schemeClr val="accent1"/>
+          </a:fillRef>
+          <a:effectRef idx="0">
+            <a:schemeClr val="accent1"/>
+          </a:effectRef>
+          <a:fontRef idx="minor">
+            <a:schemeClr val="lt1"/>
+          </a:fontRef>
+        </p:style>
+        <p:txBody>
+          <a:bodyPr rtlCol="0" anchor="ctr"/>
+          <a:lstStyle/>
+          <a:p>
+            <a:pPr algn="ctr"/>
+            <a:endParaRPr lang="en-AU">
+              <a:latin typeface="Oxygen" panose="02000503000000000000" pitchFamily="2" charset="0"/>
+            </a:endParaRPr>
+          </a:p>
+        </p:txBody>
+      </p:sp>
+    </p:spTree>
+    <p:extLst>
+      <p:ext uri="{BB962C8B-B14F-4D97-AF65-F5344CB8AC3E}">
+        <p14:creationId xmlns:p14="http://schemas.microsoft.com/office/powerpoint/2010/main" val="4250772547"/>
+      </p:ext>
+    </p:extLst>
+  </p:cSld>
+  <p:clrMapOvr>
+    <a:masterClrMapping/>
+  </p:clrMapOvr>
+</p:sld>
+</file>
+
 <file path=ppt/theme/theme1.xml><?xml version="1.0" encoding="utf-8"?>
 <a:theme xmlns:a="http://schemas.openxmlformats.org/drawingml/2006/main" name="Office Theme">
   <a:themeElements>
